--- a/Sem 3/MGCC/The Concept of State.pptx
+++ b/Sem 3/MGCC/The Concept of State.pptx
@@ -118,6 +118,22 @@
       </a:defRPr>
     </a:lvl9pPr>
   </p:defaultTextStyle>
+  <p:extLst>
+    <p:ext uri="{EFAFB233-063F-42B5-8137-9DF3F51BA10A}">
+      <p15:sldGuideLst xmlns:p15="http://schemas.microsoft.com/office/powerpoint/2012/main">
+        <p15:guide id="1" orient="horz" pos="2160">
+          <p15:clr>
+            <a:srgbClr val="A4A3A4"/>
+          </p15:clr>
+        </p15:guide>
+        <p15:guide id="2" pos="2880">
+          <p15:clr>
+            <a:srgbClr val="A4A3A4"/>
+          </p15:clr>
+        </p15:guide>
+      </p15:sldGuideLst>
+    </p:ext>
+  </p:extLst>
 </p:presentation>
 </file>
 
@@ -204,7 +220,7 @@
             <a:fld id="{3141F509-EE08-452E-A3D5-CF9727CEA5DE}" type="datetimeFigureOut">
               <a:rPr lang="en-US" smtClean="0"/>
               <a:pPr/>
-              <a:t>11/26/2013</a:t>
+              <a:t>11/6/2019</a:t>
             </a:fld>
             <a:endParaRPr lang="en-US"/>
           </a:p>
@@ -375,9 +391,7 @@
         </p:style>
         <p:txBody>
           <a:bodyPr anchor="ctr"/>
-          <a:lstStyle>
-            <a:extLst/>
-          </a:lstStyle>
+          <a:lstStyle/>
           <a:p>
             <a:pPr algn="ctr" eaLnBrk="1" latinLnBrk="0" hangingPunct="1"/>
             <a:endParaRPr kumimoji="0" lang="en-US"/>
@@ -416,9 +430,7 @@
         </p:spPr>
         <p:txBody>
           <a:bodyPr vert="horz" wrap="square" lIns="91440" tIns="45720" rIns="91440" bIns="45720" anchor="t" compatLnSpc="1"/>
-          <a:lstStyle>
-            <a:extLst/>
-          </a:lstStyle>
+          <a:lstStyle/>
           <a:p>
             <a:endParaRPr kumimoji="0" lang="en-US"/>
           </a:p>
@@ -452,10 +464,9 @@
           </a:lstStyle>
           <a:p>
             <a:r>
-              <a:rPr kumimoji="0" lang="en-US" smtClean="0"/>
+              <a:rPr kumimoji="0" lang="en-US"/>
               <a:t>Click to edit Master title style</a:t>
             </a:r>
-            <a:endParaRPr kumimoji="0" lang="en-US"/>
           </a:p>
         </p:txBody>
       </p:sp>
@@ -515,10 +526,9 @@
           </a:lstStyle>
           <a:p>
             <a:r>
-              <a:rPr kumimoji="0" lang="en-US" smtClean="0"/>
+              <a:rPr kumimoji="0" lang="en-US"/>
               <a:t>Click to edit Master subtitle style</a:t>
             </a:r>
-            <a:endParaRPr kumimoji="0" lang="en-US"/>
           </a:p>
         </p:txBody>
       </p:sp>
@@ -554,7 +564,7 @@
             <a:fld id="{0A011EC2-5200-43A4-85B7-D262D099268A}" type="datetimeFigureOut">
               <a:rPr lang="en-US" smtClean="0"/>
               <a:pPr/>
-              <a:t>11/26/2013</a:t>
+              <a:t>11/6/2019</a:t>
             </a:fld>
             <a:endParaRPr lang="en-US"/>
           </a:p>
@@ -669,93 +679,86 @@
         <p:spPr/>
         <p:txBody>
           <a:bodyPr/>
-          <a:lstStyle>
-            <a:extLst/>
-          </a:lstStyle>
-          <a:p>
-            <a:r>
-              <a:rPr kumimoji="0" lang="en-US" smtClean="0"/>
+          <a:lstStyle/>
+          <a:p>
+            <a:r>
+              <a:rPr kumimoji="0" lang="en-US"/>
               <a:t>Click to edit Master title style</a:t>
             </a:r>
+          </a:p>
+        </p:txBody>
+      </p:sp>
+      <p:sp>
+        <p:nvSpPr>
+          <p:cNvPr id="3" name="Vertical Text Placeholder 2"/>
+          <p:cNvSpPr>
+            <a:spLocks noGrp="1"/>
+          </p:cNvSpPr>
+          <p:nvPr>
+            <p:ph type="body" orient="vert" idx="1"/>
+          </p:nvPr>
+        </p:nvSpPr>
+        <p:spPr/>
+        <p:txBody>
+          <a:bodyPr vert="eaVert"/>
+          <a:lstStyle/>
+          <a:p>
+            <a:pPr lvl="0" eaLnBrk="1" latinLnBrk="0" hangingPunct="1"/>
+            <a:r>
+              <a:rPr lang="en-US"/>
+              <a:t>Click to edit Master text styles</a:t>
+            </a:r>
+          </a:p>
+          <a:p>
+            <a:pPr lvl="1" eaLnBrk="1" latinLnBrk="0" hangingPunct="1"/>
+            <a:r>
+              <a:rPr lang="en-US"/>
+              <a:t>Second level</a:t>
+            </a:r>
+          </a:p>
+          <a:p>
+            <a:pPr lvl="2" eaLnBrk="1" latinLnBrk="0" hangingPunct="1"/>
+            <a:r>
+              <a:rPr lang="en-US"/>
+              <a:t>Third level</a:t>
+            </a:r>
+          </a:p>
+          <a:p>
+            <a:pPr lvl="3" eaLnBrk="1" latinLnBrk="0" hangingPunct="1"/>
+            <a:r>
+              <a:rPr lang="en-US"/>
+              <a:t>Fourth level</a:t>
+            </a:r>
+          </a:p>
+          <a:p>
+            <a:pPr lvl="4" eaLnBrk="1" latinLnBrk="0" hangingPunct="1"/>
+            <a:r>
+              <a:rPr lang="en-US"/>
+              <a:t>Fifth level</a:t>
+            </a:r>
             <a:endParaRPr kumimoji="0" lang="en-US"/>
           </a:p>
         </p:txBody>
       </p:sp>
       <p:sp>
         <p:nvSpPr>
-          <p:cNvPr id="3" name="Vertical Text Placeholder 2"/>
-          <p:cNvSpPr>
-            <a:spLocks noGrp="1"/>
-          </p:cNvSpPr>
-          <p:nvPr>
-            <p:ph type="body" orient="vert" idx="1"/>
+          <p:cNvPr id="4" name="Date Placeholder 3"/>
+          <p:cNvSpPr>
+            <a:spLocks noGrp="1"/>
+          </p:cNvSpPr>
+          <p:nvPr>
+            <p:ph type="dt" sz="half" idx="10"/>
           </p:nvPr>
         </p:nvSpPr>
         <p:spPr/>
         <p:txBody>
-          <a:bodyPr vert="eaVert"/>
-          <a:lstStyle>
-            <a:extLst/>
-          </a:lstStyle>
-          <a:p>
-            <a:pPr lvl="0" eaLnBrk="1" latinLnBrk="0" hangingPunct="1"/>
-            <a:r>
-              <a:rPr lang="en-US" smtClean="0"/>
-              <a:t>Click to edit Master text styles</a:t>
-            </a:r>
-          </a:p>
-          <a:p>
-            <a:pPr lvl="1" eaLnBrk="1" latinLnBrk="0" hangingPunct="1"/>
-            <a:r>
-              <a:rPr lang="en-US" smtClean="0"/>
-              <a:t>Second level</a:t>
-            </a:r>
-          </a:p>
-          <a:p>
-            <a:pPr lvl="2" eaLnBrk="1" latinLnBrk="0" hangingPunct="1"/>
-            <a:r>
-              <a:rPr lang="en-US" smtClean="0"/>
-              <a:t>Third level</a:t>
-            </a:r>
-          </a:p>
-          <a:p>
-            <a:pPr lvl="3" eaLnBrk="1" latinLnBrk="0" hangingPunct="1"/>
-            <a:r>
-              <a:rPr lang="en-US" smtClean="0"/>
-              <a:t>Fourth level</a:t>
-            </a:r>
-          </a:p>
-          <a:p>
-            <a:pPr lvl="4" eaLnBrk="1" latinLnBrk="0" hangingPunct="1"/>
-            <a:r>
-              <a:rPr lang="en-US" smtClean="0"/>
-              <a:t>Fifth level</a:t>
-            </a:r>
-            <a:endParaRPr kumimoji="0" lang="en-US"/>
-          </a:p>
-        </p:txBody>
-      </p:sp>
-      <p:sp>
-        <p:nvSpPr>
-          <p:cNvPr id="4" name="Date Placeholder 3"/>
-          <p:cNvSpPr>
-            <a:spLocks noGrp="1"/>
-          </p:cNvSpPr>
-          <p:nvPr>
-            <p:ph type="dt" sz="half" idx="10"/>
-          </p:nvPr>
-        </p:nvSpPr>
-        <p:spPr/>
-        <p:txBody>
-          <a:bodyPr/>
-          <a:lstStyle>
-            <a:extLst/>
-          </a:lstStyle>
+          <a:bodyPr/>
+          <a:lstStyle/>
           <a:p>
             <a:fld id="{0A011EC2-5200-43A4-85B7-D262D099268A}" type="datetimeFigureOut">
               <a:rPr lang="en-US" smtClean="0"/>
               <a:pPr/>
-              <a:t>11/26/2013</a:t>
+              <a:t>11/6/2019</a:t>
             </a:fld>
             <a:endParaRPr lang="en-US"/>
           </a:p>
@@ -774,9 +777,7 @@
         <p:spPr/>
         <p:txBody>
           <a:bodyPr/>
-          <a:lstStyle>
-            <a:extLst/>
-          </a:lstStyle>
+          <a:lstStyle/>
           <a:p>
             <a:endParaRPr lang="en-US"/>
           </a:p>
@@ -795,9 +796,7 @@
         <p:spPr/>
         <p:txBody>
           <a:bodyPr/>
-          <a:lstStyle>
-            <a:extLst/>
-          </a:lstStyle>
+          <a:lstStyle/>
           <a:p>
             <a:fld id="{9AB7F5D4-DA7B-445E-9556-3D706A6E20AD}" type="slidenum">
               <a:rPr lang="en-US" smtClean="0"/>
@@ -851,15 +850,12 @@
         </p:spPr>
         <p:txBody>
           <a:bodyPr vert="eaVert" anchor="t"/>
-          <a:lstStyle>
-            <a:extLst/>
-          </a:lstStyle>
-          <a:p>
-            <a:r>
-              <a:rPr kumimoji="0" lang="en-US" smtClean="0"/>
+          <a:lstStyle/>
+          <a:p>
+            <a:r>
+              <a:rPr kumimoji="0" lang="en-US"/>
               <a:t>Click to edit Master title style</a:t>
             </a:r>
-            <a:endParaRPr kumimoji="0" lang="en-US"/>
           </a:p>
         </p:txBody>
       </p:sp>
@@ -881,41 +877,39 @@
         </p:spPr>
         <p:txBody>
           <a:bodyPr vert="eaVert"/>
-          <a:lstStyle>
-            <a:extLst/>
-          </a:lstStyle>
+          <a:lstStyle/>
           <a:p>
             <a:pPr lvl="0" eaLnBrk="1" latinLnBrk="0" hangingPunct="1"/>
             <a:r>
-              <a:rPr lang="en-US" smtClean="0"/>
+              <a:rPr lang="en-US"/>
               <a:t>Click to edit Master text styles</a:t>
             </a:r>
           </a:p>
           <a:p>
             <a:pPr lvl="1" eaLnBrk="1" latinLnBrk="0" hangingPunct="1"/>
             <a:r>
-              <a:rPr lang="en-US" smtClean="0"/>
+              <a:rPr lang="en-US"/>
               <a:t>Second level</a:t>
             </a:r>
           </a:p>
           <a:p>
             <a:pPr lvl="2" eaLnBrk="1" latinLnBrk="0" hangingPunct="1"/>
             <a:r>
-              <a:rPr lang="en-US" smtClean="0"/>
+              <a:rPr lang="en-US"/>
               <a:t>Third level</a:t>
             </a:r>
           </a:p>
           <a:p>
             <a:pPr lvl="3" eaLnBrk="1" latinLnBrk="0" hangingPunct="1"/>
             <a:r>
-              <a:rPr lang="en-US" smtClean="0"/>
+              <a:rPr lang="en-US"/>
               <a:t>Fourth level</a:t>
             </a:r>
           </a:p>
           <a:p>
             <a:pPr lvl="4" eaLnBrk="1" latinLnBrk="0" hangingPunct="1"/>
             <a:r>
-              <a:rPr lang="en-US" smtClean="0"/>
+              <a:rPr lang="en-US"/>
               <a:t>Fifth level</a:t>
             </a:r>
             <a:endParaRPr kumimoji="0" lang="en-US"/>
@@ -940,14 +934,12 @@
         </p:spPr>
         <p:txBody>
           <a:bodyPr/>
-          <a:lstStyle>
-            <a:extLst/>
-          </a:lstStyle>
+          <a:lstStyle/>
           <a:p>
             <a:fld id="{0A011EC2-5200-43A4-85B7-D262D099268A}" type="datetimeFigureOut">
               <a:rPr lang="en-US" smtClean="0"/>
               <a:pPr/>
-              <a:t>11/26/2013</a:t>
+              <a:t>11/6/2019</a:t>
             </a:fld>
             <a:endParaRPr lang="en-US"/>
           </a:p>
@@ -971,9 +963,7 @@
         </p:spPr>
         <p:txBody>
           <a:bodyPr/>
-          <a:lstStyle>
-            <a:extLst/>
-          </a:lstStyle>
+          <a:lstStyle/>
           <a:p>
             <a:endParaRPr lang="en-US"/>
           </a:p>
@@ -1055,93 +1045,86 @@
         <p:spPr/>
         <p:txBody>
           <a:bodyPr/>
-          <a:lstStyle>
-            <a:extLst/>
-          </a:lstStyle>
-          <a:p>
-            <a:r>
-              <a:rPr kumimoji="0" lang="en-US" smtClean="0"/>
+          <a:lstStyle/>
+          <a:p>
+            <a:r>
+              <a:rPr kumimoji="0" lang="en-US"/>
               <a:t>Click to edit Master title style</a:t>
             </a:r>
+          </a:p>
+        </p:txBody>
+      </p:sp>
+      <p:sp>
+        <p:nvSpPr>
+          <p:cNvPr id="3" name="Content Placeholder 2"/>
+          <p:cNvSpPr>
+            <a:spLocks noGrp="1"/>
+          </p:cNvSpPr>
+          <p:nvPr>
+            <p:ph idx="1"/>
+          </p:nvPr>
+        </p:nvSpPr>
+        <p:spPr/>
+        <p:txBody>
+          <a:bodyPr/>
+          <a:lstStyle/>
+          <a:p>
+            <a:pPr lvl="0" eaLnBrk="1" latinLnBrk="0" hangingPunct="1"/>
+            <a:r>
+              <a:rPr lang="en-US"/>
+              <a:t>Click to edit Master text styles</a:t>
+            </a:r>
+          </a:p>
+          <a:p>
+            <a:pPr lvl="1" eaLnBrk="1" latinLnBrk="0" hangingPunct="1"/>
+            <a:r>
+              <a:rPr lang="en-US"/>
+              <a:t>Second level</a:t>
+            </a:r>
+          </a:p>
+          <a:p>
+            <a:pPr lvl="2" eaLnBrk="1" latinLnBrk="0" hangingPunct="1"/>
+            <a:r>
+              <a:rPr lang="en-US"/>
+              <a:t>Third level</a:t>
+            </a:r>
+          </a:p>
+          <a:p>
+            <a:pPr lvl="3" eaLnBrk="1" latinLnBrk="0" hangingPunct="1"/>
+            <a:r>
+              <a:rPr lang="en-US"/>
+              <a:t>Fourth level</a:t>
+            </a:r>
+          </a:p>
+          <a:p>
+            <a:pPr lvl="4" eaLnBrk="1" latinLnBrk="0" hangingPunct="1"/>
+            <a:r>
+              <a:rPr lang="en-US"/>
+              <a:t>Fifth level</a:t>
+            </a:r>
             <a:endParaRPr kumimoji="0" lang="en-US"/>
           </a:p>
         </p:txBody>
       </p:sp>
       <p:sp>
         <p:nvSpPr>
-          <p:cNvPr id="3" name="Content Placeholder 2"/>
-          <p:cNvSpPr>
-            <a:spLocks noGrp="1"/>
-          </p:cNvSpPr>
-          <p:nvPr>
-            <p:ph idx="1"/>
+          <p:cNvPr id="4" name="Date Placeholder 3"/>
+          <p:cNvSpPr>
+            <a:spLocks noGrp="1"/>
+          </p:cNvSpPr>
+          <p:nvPr>
+            <p:ph type="dt" sz="half" idx="10"/>
           </p:nvPr>
         </p:nvSpPr>
         <p:spPr/>
         <p:txBody>
           <a:bodyPr/>
-          <a:lstStyle>
-            <a:extLst/>
-          </a:lstStyle>
-          <a:p>
-            <a:pPr lvl="0" eaLnBrk="1" latinLnBrk="0" hangingPunct="1"/>
-            <a:r>
-              <a:rPr lang="en-US" smtClean="0"/>
-              <a:t>Click to edit Master text styles</a:t>
-            </a:r>
-          </a:p>
-          <a:p>
-            <a:pPr lvl="1" eaLnBrk="1" latinLnBrk="0" hangingPunct="1"/>
-            <a:r>
-              <a:rPr lang="en-US" smtClean="0"/>
-              <a:t>Second level</a:t>
-            </a:r>
-          </a:p>
-          <a:p>
-            <a:pPr lvl="2" eaLnBrk="1" latinLnBrk="0" hangingPunct="1"/>
-            <a:r>
-              <a:rPr lang="en-US" smtClean="0"/>
-              <a:t>Third level</a:t>
-            </a:r>
-          </a:p>
-          <a:p>
-            <a:pPr lvl="3" eaLnBrk="1" latinLnBrk="0" hangingPunct="1"/>
-            <a:r>
-              <a:rPr lang="en-US" smtClean="0"/>
-              <a:t>Fourth level</a:t>
-            </a:r>
-          </a:p>
-          <a:p>
-            <a:pPr lvl="4" eaLnBrk="1" latinLnBrk="0" hangingPunct="1"/>
-            <a:r>
-              <a:rPr lang="en-US" smtClean="0"/>
-              <a:t>Fifth level</a:t>
-            </a:r>
-            <a:endParaRPr kumimoji="0" lang="en-US"/>
-          </a:p>
-        </p:txBody>
-      </p:sp>
-      <p:sp>
-        <p:nvSpPr>
-          <p:cNvPr id="4" name="Date Placeholder 3"/>
-          <p:cNvSpPr>
-            <a:spLocks noGrp="1"/>
-          </p:cNvSpPr>
-          <p:nvPr>
-            <p:ph type="dt" sz="half" idx="10"/>
-          </p:nvPr>
-        </p:nvSpPr>
-        <p:spPr/>
-        <p:txBody>
-          <a:bodyPr/>
-          <a:lstStyle>
-            <a:extLst/>
-          </a:lstStyle>
+          <a:lstStyle/>
           <a:p>
             <a:fld id="{0A011EC2-5200-43A4-85B7-D262D099268A}" type="datetimeFigureOut">
               <a:rPr lang="en-US" smtClean="0"/>
               <a:pPr/>
-              <a:t>11/26/2013</a:t>
+              <a:t>11/6/2019</a:t>
             </a:fld>
             <a:endParaRPr lang="en-US"/>
           </a:p>
@@ -1160,9 +1143,7 @@
         <p:spPr/>
         <p:txBody>
           <a:bodyPr/>
-          <a:lstStyle>
-            <a:extLst/>
-          </a:lstStyle>
+          <a:lstStyle/>
           <a:p>
             <a:endParaRPr lang="en-US"/>
           </a:p>
@@ -1181,9 +1162,7 @@
         <p:spPr/>
         <p:txBody>
           <a:bodyPr/>
-          <a:lstStyle>
-            <a:extLst/>
-          </a:lstStyle>
+          <a:lstStyle/>
           <a:p>
             <a:fld id="{9AB7F5D4-DA7B-445E-9556-3D706A6E20AD}" type="slidenum">
               <a:rPr lang="en-US" smtClean="0"/>
@@ -1251,10 +1230,9 @@
           </a:lstStyle>
           <a:p>
             <a:r>
-              <a:rPr kumimoji="0" lang="en-US" smtClean="0"/>
+              <a:rPr kumimoji="0" lang="en-US"/>
               <a:t>Click to edit Master title style</a:t>
             </a:r>
-            <a:endParaRPr kumimoji="0" lang="en-US"/>
           </a:p>
         </p:txBody>
       </p:sp>
@@ -1331,7 +1309,7 @@
           <a:p>
             <a:pPr lvl="0" eaLnBrk="1" latinLnBrk="0" hangingPunct="1"/>
             <a:r>
-              <a:rPr kumimoji="0" lang="en-US" smtClean="0"/>
+              <a:rPr kumimoji="0" lang="en-US"/>
               <a:t>Click to edit Master text styles</a:t>
             </a:r>
           </a:p>
@@ -1369,7 +1347,7 @@
             <a:fld id="{0A011EC2-5200-43A4-85B7-D262D099268A}" type="datetimeFigureOut">
               <a:rPr lang="en-US" smtClean="0"/>
               <a:pPr/>
-              <a:t>11/26/2013</a:t>
+              <a:t>11/6/2019</a:t>
             </a:fld>
             <a:endParaRPr lang="en-US"/>
           </a:p>
@@ -1426,9 +1404,7 @@
         </p:spPr>
         <p:txBody>
           <a:bodyPr/>
-          <a:lstStyle>
-            <a:extLst/>
-          </a:lstStyle>
+          <a:lstStyle/>
           <a:p>
             <a:fld id="{9AB7F5D4-DA7B-445E-9556-3D706A6E20AD}" type="slidenum">
               <a:rPr lang="en-US" smtClean="0"/>
@@ -1482,15 +1458,12 @@
         </p:spPr>
         <p:txBody>
           <a:bodyPr/>
-          <a:lstStyle>
-            <a:extLst/>
-          </a:lstStyle>
-          <a:p>
-            <a:r>
-              <a:rPr kumimoji="0" lang="en-US" smtClean="0"/>
+          <a:lstStyle/>
+          <a:p>
+            <a:r>
+              <a:rPr kumimoji="0" lang="en-US"/>
               <a:t>Click to edit Master title style</a:t>
             </a:r>
-            <a:endParaRPr kumimoji="0" lang="en-US"/>
           </a:p>
         </p:txBody>
       </p:sp>
@@ -1533,35 +1506,35 @@
           <a:p>
             <a:pPr lvl="0" eaLnBrk="1" latinLnBrk="0" hangingPunct="1"/>
             <a:r>
-              <a:rPr lang="en-US" smtClean="0"/>
+              <a:rPr lang="en-US"/>
               <a:t>Click to edit Master text styles</a:t>
             </a:r>
           </a:p>
           <a:p>
             <a:pPr lvl="1" eaLnBrk="1" latinLnBrk="0" hangingPunct="1"/>
             <a:r>
-              <a:rPr lang="en-US" smtClean="0"/>
+              <a:rPr lang="en-US"/>
               <a:t>Second level</a:t>
             </a:r>
           </a:p>
           <a:p>
             <a:pPr lvl="2" eaLnBrk="1" latinLnBrk="0" hangingPunct="1"/>
             <a:r>
-              <a:rPr lang="en-US" smtClean="0"/>
+              <a:rPr lang="en-US"/>
               <a:t>Third level</a:t>
             </a:r>
           </a:p>
           <a:p>
             <a:pPr lvl="3" eaLnBrk="1" latinLnBrk="0" hangingPunct="1"/>
             <a:r>
-              <a:rPr lang="en-US" smtClean="0"/>
+              <a:rPr lang="en-US"/>
               <a:t>Fourth level</a:t>
             </a:r>
           </a:p>
           <a:p>
             <a:pPr lvl="4" eaLnBrk="1" latinLnBrk="0" hangingPunct="1"/>
             <a:r>
-              <a:rPr lang="en-US" smtClean="0"/>
+              <a:rPr lang="en-US"/>
               <a:t>Fifth level</a:t>
             </a:r>
             <a:endParaRPr kumimoji="0" lang="en-US"/>
@@ -1607,35 +1580,35 @@
           <a:p>
             <a:pPr lvl="0" eaLnBrk="1" latinLnBrk="0" hangingPunct="1"/>
             <a:r>
-              <a:rPr lang="en-US" smtClean="0"/>
+              <a:rPr lang="en-US"/>
               <a:t>Click to edit Master text styles</a:t>
             </a:r>
           </a:p>
           <a:p>
             <a:pPr lvl="1" eaLnBrk="1" latinLnBrk="0" hangingPunct="1"/>
             <a:r>
-              <a:rPr lang="en-US" smtClean="0"/>
+              <a:rPr lang="en-US"/>
               <a:t>Second level</a:t>
             </a:r>
           </a:p>
           <a:p>
             <a:pPr lvl="2" eaLnBrk="1" latinLnBrk="0" hangingPunct="1"/>
             <a:r>
-              <a:rPr lang="en-US" smtClean="0"/>
+              <a:rPr lang="en-US"/>
               <a:t>Third level</a:t>
             </a:r>
           </a:p>
           <a:p>
             <a:pPr lvl="3" eaLnBrk="1" latinLnBrk="0" hangingPunct="1"/>
             <a:r>
-              <a:rPr lang="en-US" smtClean="0"/>
+              <a:rPr lang="en-US"/>
               <a:t>Fourth level</a:t>
             </a:r>
           </a:p>
           <a:p>
             <a:pPr lvl="4" eaLnBrk="1" latinLnBrk="0" hangingPunct="1"/>
             <a:r>
-              <a:rPr lang="en-US" smtClean="0"/>
+              <a:rPr lang="en-US"/>
               <a:t>Fifth level</a:t>
             </a:r>
             <a:endParaRPr kumimoji="0" lang="en-US"/>
@@ -1655,14 +1628,12 @@
         <p:spPr/>
         <p:txBody>
           <a:bodyPr/>
-          <a:lstStyle>
-            <a:extLst/>
-          </a:lstStyle>
+          <a:lstStyle/>
           <a:p>
             <a:fld id="{0A011EC2-5200-43A4-85B7-D262D099268A}" type="datetimeFigureOut">
               <a:rPr lang="en-US" smtClean="0"/>
               <a:pPr/>
-              <a:t>11/26/2013</a:t>
+              <a:t>11/6/2019</a:t>
             </a:fld>
             <a:endParaRPr lang="en-US"/>
           </a:p>
@@ -1681,9 +1652,7 @@
         <p:spPr/>
         <p:txBody>
           <a:bodyPr/>
-          <a:lstStyle>
-            <a:extLst/>
-          </a:lstStyle>
+          <a:lstStyle/>
           <a:p>
             <a:endParaRPr lang="en-US"/>
           </a:p>
@@ -1702,9 +1671,7 @@
         <p:spPr/>
         <p:txBody>
           <a:bodyPr/>
-          <a:lstStyle>
-            <a:extLst/>
-          </a:lstStyle>
+          <a:lstStyle/>
           <a:p>
             <a:fld id="{9AB7F5D4-DA7B-445E-9556-3D706A6E20AD}" type="slidenum">
               <a:rPr lang="en-US" smtClean="0"/>
@@ -1766,10 +1733,9 @@
           </a:lstStyle>
           <a:p>
             <a:r>
-              <a:rPr kumimoji="0" lang="en-US" smtClean="0"/>
+              <a:rPr kumimoji="0" lang="en-US"/>
               <a:t>Click to edit Master title style</a:t>
             </a:r>
-            <a:endParaRPr kumimoji="0" lang="en-US"/>
           </a:p>
         </p:txBody>
       </p:sp>
@@ -1844,7 +1810,7 @@
           <a:p>
             <a:pPr lvl="0" eaLnBrk="1" latinLnBrk="0" hangingPunct="1"/>
             <a:r>
-              <a:rPr kumimoji="0" lang="en-US" smtClean="0"/>
+              <a:rPr kumimoji="0" lang="en-US"/>
               <a:t>Click to edit Master text styles</a:t>
             </a:r>
           </a:p>
@@ -1921,7 +1887,7 @@
           <a:p>
             <a:pPr lvl="0" eaLnBrk="1" latinLnBrk="0" hangingPunct="1"/>
             <a:r>
-              <a:rPr kumimoji="0" lang="en-US" smtClean="0"/>
+              <a:rPr kumimoji="0" lang="en-US"/>
               <a:t>Click to edit Master text styles</a:t>
             </a:r>
           </a:p>
@@ -1966,35 +1932,35 @@
           <a:p>
             <a:pPr lvl="0" eaLnBrk="1" latinLnBrk="0" hangingPunct="1"/>
             <a:r>
-              <a:rPr lang="en-US" smtClean="0"/>
+              <a:rPr lang="en-US"/>
               <a:t>Click to edit Master text styles</a:t>
             </a:r>
           </a:p>
           <a:p>
             <a:pPr lvl="1" eaLnBrk="1" latinLnBrk="0" hangingPunct="1"/>
             <a:r>
-              <a:rPr lang="en-US" smtClean="0"/>
+              <a:rPr lang="en-US"/>
               <a:t>Second level</a:t>
             </a:r>
           </a:p>
           <a:p>
             <a:pPr lvl="2" eaLnBrk="1" latinLnBrk="0" hangingPunct="1"/>
             <a:r>
-              <a:rPr lang="en-US" smtClean="0"/>
+              <a:rPr lang="en-US"/>
               <a:t>Third level</a:t>
             </a:r>
           </a:p>
           <a:p>
             <a:pPr lvl="3" eaLnBrk="1" latinLnBrk="0" hangingPunct="1"/>
             <a:r>
-              <a:rPr lang="en-US" smtClean="0"/>
+              <a:rPr lang="en-US"/>
               <a:t>Fourth level</a:t>
             </a:r>
           </a:p>
           <a:p>
             <a:pPr lvl="4" eaLnBrk="1" latinLnBrk="0" hangingPunct="1"/>
             <a:r>
-              <a:rPr lang="en-US" smtClean="0"/>
+              <a:rPr lang="en-US"/>
               <a:t>Fifth level</a:t>
             </a:r>
             <a:endParaRPr kumimoji="0" lang="en-US"/>
@@ -2040,35 +2006,35 @@
           <a:p>
             <a:pPr lvl="0" eaLnBrk="1" latinLnBrk="0" hangingPunct="1"/>
             <a:r>
-              <a:rPr lang="en-US" smtClean="0"/>
+              <a:rPr lang="en-US"/>
               <a:t>Click to edit Master text styles</a:t>
             </a:r>
           </a:p>
           <a:p>
             <a:pPr lvl="1" eaLnBrk="1" latinLnBrk="0" hangingPunct="1"/>
             <a:r>
-              <a:rPr lang="en-US" smtClean="0"/>
+              <a:rPr lang="en-US"/>
               <a:t>Second level</a:t>
             </a:r>
           </a:p>
           <a:p>
             <a:pPr lvl="2" eaLnBrk="1" latinLnBrk="0" hangingPunct="1"/>
             <a:r>
-              <a:rPr lang="en-US" smtClean="0"/>
+              <a:rPr lang="en-US"/>
               <a:t>Third level</a:t>
             </a:r>
           </a:p>
           <a:p>
             <a:pPr lvl="3" eaLnBrk="1" latinLnBrk="0" hangingPunct="1"/>
             <a:r>
-              <a:rPr lang="en-US" smtClean="0"/>
+              <a:rPr lang="en-US"/>
               <a:t>Fourth level</a:t>
             </a:r>
           </a:p>
           <a:p>
             <a:pPr lvl="4" eaLnBrk="1" latinLnBrk="0" hangingPunct="1"/>
             <a:r>
-              <a:rPr lang="en-US" smtClean="0"/>
+              <a:rPr lang="en-US"/>
               <a:t>Fifth level</a:t>
             </a:r>
             <a:endParaRPr kumimoji="0" lang="en-US"/>
@@ -2088,14 +2054,12 @@
         <p:spPr/>
         <p:txBody>
           <a:bodyPr/>
-          <a:lstStyle>
-            <a:extLst/>
-          </a:lstStyle>
+          <a:lstStyle/>
           <a:p>
             <a:fld id="{0A011EC2-5200-43A4-85B7-D262D099268A}" type="datetimeFigureOut">
               <a:rPr lang="en-US" smtClean="0"/>
               <a:pPr/>
-              <a:t>11/26/2013</a:t>
+              <a:t>11/6/2019</a:t>
             </a:fld>
             <a:endParaRPr lang="en-US"/>
           </a:p>
@@ -2114,9 +2078,7 @@
         <p:spPr/>
         <p:txBody>
           <a:bodyPr/>
-          <a:lstStyle>
-            <a:extLst/>
-          </a:lstStyle>
+          <a:lstStyle/>
           <a:p>
             <a:endParaRPr lang="en-US"/>
           </a:p>
@@ -2135,9 +2097,7 @@
         <p:spPr/>
         <p:txBody>
           <a:bodyPr/>
-          <a:lstStyle>
-            <a:extLst/>
-          </a:lstStyle>
+          <a:lstStyle/>
           <a:p>
             <a:fld id="{9AB7F5D4-DA7B-445E-9556-3D706A6E20AD}" type="slidenum">
               <a:rPr lang="en-US" smtClean="0"/>
@@ -2191,15 +2151,12 @@
         </p:spPr>
         <p:txBody>
           <a:bodyPr/>
-          <a:lstStyle>
-            <a:extLst/>
-          </a:lstStyle>
-          <a:p>
-            <a:r>
-              <a:rPr kumimoji="0" lang="en-US" smtClean="0"/>
+          <a:lstStyle/>
+          <a:p>
+            <a:r>
+              <a:rPr kumimoji="0" lang="en-US"/>
               <a:t>Click to edit Master title style</a:t>
             </a:r>
-            <a:endParaRPr kumimoji="0" lang="en-US"/>
           </a:p>
         </p:txBody>
       </p:sp>
@@ -2216,14 +2173,12 @@
         <p:spPr/>
         <p:txBody>
           <a:bodyPr/>
-          <a:lstStyle>
-            <a:extLst/>
-          </a:lstStyle>
+          <a:lstStyle/>
           <a:p>
             <a:fld id="{0A011EC2-5200-43A4-85B7-D262D099268A}" type="datetimeFigureOut">
               <a:rPr lang="en-US" smtClean="0"/>
               <a:pPr/>
-              <a:t>11/26/2013</a:t>
+              <a:t>11/6/2019</a:t>
             </a:fld>
             <a:endParaRPr lang="en-US"/>
           </a:p>
@@ -2242,9 +2197,7 @@
         <p:spPr/>
         <p:txBody>
           <a:bodyPr/>
-          <a:lstStyle>
-            <a:extLst/>
-          </a:lstStyle>
+          <a:lstStyle/>
           <a:p>
             <a:endParaRPr lang="en-US"/>
           </a:p>
@@ -2263,9 +2216,7 @@
         <p:spPr/>
         <p:txBody>
           <a:bodyPr/>
-          <a:lstStyle>
-            <a:extLst/>
-          </a:lstStyle>
+          <a:lstStyle/>
           <a:p>
             <a:fld id="{9AB7F5D4-DA7B-445E-9556-3D706A6E20AD}" type="slidenum">
               <a:rPr lang="en-US" smtClean="0"/>
@@ -2328,7 +2279,7 @@
             <a:fld id="{0A011EC2-5200-43A4-85B7-D262D099268A}" type="datetimeFigureOut">
               <a:rPr lang="en-US" smtClean="0"/>
               <a:pPr/>
-              <a:t>11/26/2013</a:t>
+              <a:t>11/6/2019</a:t>
             </a:fld>
             <a:endParaRPr lang="en-US"/>
           </a:p>
@@ -2375,9 +2326,7 @@
         <p:spPr/>
         <p:txBody>
           <a:bodyPr/>
-          <a:lstStyle>
-            <a:extLst/>
-          </a:lstStyle>
+          <a:lstStyle/>
           <a:p>
             <a:fld id="{9AB7F5D4-DA7B-445E-9556-3D706A6E20AD}" type="slidenum">
               <a:rPr lang="en-US" smtClean="0"/>
@@ -2440,10 +2389,9 @@
           </a:lstStyle>
           <a:p>
             <a:r>
-              <a:rPr kumimoji="0" lang="en-US" smtClean="0"/>
+              <a:rPr kumimoji="0" lang="en-US"/>
               <a:t>Click to edit Master title style</a:t>
             </a:r>
-            <a:endParaRPr kumimoji="0" lang="en-US"/>
           </a:p>
         </p:txBody>
       </p:sp>
@@ -2499,7 +2447,7 @@
           <a:p>
             <a:pPr lvl="0" eaLnBrk="1" latinLnBrk="0" hangingPunct="1"/>
             <a:r>
-              <a:rPr kumimoji="0" lang="en-US" smtClean="0"/>
+              <a:rPr kumimoji="0" lang="en-US"/>
               <a:t>Click to edit Master text styles</a:t>
             </a:r>
           </a:p>
@@ -2544,35 +2492,35 @@
           <a:p>
             <a:pPr lvl="0" eaLnBrk="1" latinLnBrk="0" hangingPunct="1"/>
             <a:r>
-              <a:rPr lang="en-US" smtClean="0"/>
+              <a:rPr lang="en-US"/>
               <a:t>Click to edit Master text styles</a:t>
             </a:r>
           </a:p>
           <a:p>
             <a:pPr lvl="1" eaLnBrk="1" latinLnBrk="0" hangingPunct="1"/>
             <a:r>
-              <a:rPr lang="en-US" smtClean="0"/>
+              <a:rPr lang="en-US"/>
               <a:t>Second level</a:t>
             </a:r>
           </a:p>
           <a:p>
             <a:pPr lvl="2" eaLnBrk="1" latinLnBrk="0" hangingPunct="1"/>
             <a:r>
-              <a:rPr lang="en-US" smtClean="0"/>
+              <a:rPr lang="en-US"/>
               <a:t>Third level</a:t>
             </a:r>
           </a:p>
           <a:p>
             <a:pPr lvl="3" eaLnBrk="1" latinLnBrk="0" hangingPunct="1"/>
             <a:r>
-              <a:rPr lang="en-US" smtClean="0"/>
+              <a:rPr lang="en-US"/>
               <a:t>Fourth level</a:t>
             </a:r>
           </a:p>
           <a:p>
             <a:pPr lvl="4" eaLnBrk="1" latinLnBrk="0" hangingPunct="1"/>
             <a:r>
-              <a:rPr lang="en-US" smtClean="0"/>
+              <a:rPr lang="en-US"/>
               <a:t>Fifth level</a:t>
             </a:r>
             <a:endParaRPr kumimoji="0" lang="en-US"/>
@@ -2592,14 +2540,12 @@
         <p:spPr/>
         <p:txBody>
           <a:bodyPr/>
-          <a:lstStyle>
-            <a:extLst/>
-          </a:lstStyle>
+          <a:lstStyle/>
           <a:p>
             <a:fld id="{0A011EC2-5200-43A4-85B7-D262D099268A}" type="datetimeFigureOut">
               <a:rPr lang="en-US" smtClean="0"/>
               <a:pPr/>
-              <a:t>11/26/2013</a:t>
+              <a:t>11/6/2019</a:t>
             </a:fld>
             <a:endParaRPr lang="en-US"/>
           </a:p>
@@ -2618,9 +2564,7 @@
         <p:spPr/>
         <p:txBody>
           <a:bodyPr/>
-          <a:lstStyle>
-            <a:extLst/>
-          </a:lstStyle>
+          <a:lstStyle/>
           <a:p>
             <a:endParaRPr lang="en-US"/>
           </a:p>
@@ -2639,9 +2583,7 @@
         <p:spPr/>
         <p:txBody>
           <a:bodyPr/>
-          <a:lstStyle>
-            <a:extLst/>
-          </a:lstStyle>
+          <a:lstStyle/>
           <a:p>
             <a:fld id="{9AB7F5D4-DA7B-445E-9556-3D706A6E20AD}" type="slidenum">
               <a:rPr lang="en-US" smtClean="0"/>
@@ -2729,9 +2671,7 @@
         </p:style>
         <p:txBody>
           <a:bodyPr rtlCol="0" anchor="ctr"/>
-          <a:lstStyle>
-            <a:extLst/>
-          </a:lstStyle>
+          <a:lstStyle/>
           <a:p>
             <a:pPr algn="ctr" eaLnBrk="1" latinLnBrk="0" hangingPunct="1"/>
             <a:endParaRPr kumimoji="0" lang="en-US"/>
@@ -2785,9 +2725,7 @@
         </p:style>
         <p:txBody>
           <a:bodyPr rtlCol="0" anchor="ctr"/>
-          <a:lstStyle>
-            <a:extLst/>
-          </a:lstStyle>
+          <a:lstStyle/>
           <a:p>
             <a:pPr algn="ctr" eaLnBrk="1" latinLnBrk="0" hangingPunct="1"/>
             <a:endParaRPr kumimoji="0" lang="en-US"/>
@@ -2861,7 +2799,7 @@
           </a:lstStyle>
           <a:p>
             <a:r>
-              <a:rPr kumimoji="0" lang="en-US" smtClean="0"/>
+              <a:rPr kumimoji="0" lang="en-US"/>
               <a:t>Click to edit Master title style</a:t>
             </a:r>
             <a:endParaRPr kumimoji="0" lang="en-US" dirty="0"/>
@@ -2939,7 +2877,7 @@
               <a:defRPr/>
             </a:pPr>
             <a:r>
-              <a:rPr kumimoji="0" lang="en-US" smtClean="0"/>
+              <a:rPr kumimoji="0" lang="en-US"/>
               <a:t>Click to edit Master text styles</a:t>
             </a:r>
           </a:p>
@@ -2958,14 +2896,12 @@
         <p:spPr/>
         <p:txBody>
           <a:bodyPr/>
-          <a:lstStyle>
-            <a:extLst/>
-          </a:lstStyle>
+          <a:lstStyle/>
           <a:p>
             <a:fld id="{0A011EC2-5200-43A4-85B7-D262D099268A}" type="datetimeFigureOut">
               <a:rPr lang="en-US" smtClean="0"/>
               <a:pPr/>
-              <a:t>11/26/2013</a:t>
+              <a:t>11/6/2019</a:t>
             </a:fld>
             <a:endParaRPr lang="en-US"/>
           </a:p>
@@ -2984,9 +2920,7 @@
         <p:spPr/>
         <p:txBody>
           <a:bodyPr/>
-          <a:lstStyle>
-            <a:extLst/>
-          </a:lstStyle>
+          <a:lstStyle/>
           <a:p>
             <a:endParaRPr lang="en-US"/>
           </a:p>
@@ -3005,9 +2939,7 @@
         <p:spPr/>
         <p:txBody>
           <a:bodyPr/>
-          <a:lstStyle>
-            <a:extLst/>
-          </a:lstStyle>
+          <a:lstStyle/>
           <a:p>
             <a:fld id="{9AB7F5D4-DA7B-445E-9556-3D706A6E20AD}" type="slidenum">
               <a:rPr lang="en-US" smtClean="0"/>
@@ -3072,7 +3004,7 @@
           </a:lstStyle>
           <a:p>
             <a:r>
-              <a:rPr kumimoji="0" lang="en-US" smtClean="0"/>
+              <a:rPr kumimoji="0" lang="en-US"/>
               <a:t>Click icon to add picture</a:t>
             </a:r>
             <a:endParaRPr kumimoji="0" lang="en-US" dirty="0"/>
@@ -3179,9 +3111,7 @@
         </p:style>
         <p:txBody>
           <a:bodyPr anchor="ctr"/>
-          <a:lstStyle>
-            <a:extLst/>
-          </a:lstStyle>
+          <a:lstStyle/>
           <a:p>
             <a:pPr algn="ctr" eaLnBrk="1" latinLnBrk="0" hangingPunct="1"/>
             <a:endParaRPr kumimoji="0" lang="en-US"/>
@@ -3211,15 +3141,12 @@
           <a:bodyPr vert="horz" lIns="45720" tIns="0" rIns="45720" bIns="0" anchor="b" anchorCtr="0">
             <a:normAutofit/>
           </a:bodyPr>
-          <a:lstStyle>
-            <a:extLst/>
-          </a:lstStyle>
-          <a:p>
-            <a:r>
-              <a:rPr kumimoji="0" lang="en-US" smtClean="0"/>
+          <a:lstStyle/>
+          <a:p>
+            <a:r>
+              <a:rPr kumimoji="0" lang="en-US"/>
               <a:t>Click to edit Master title style</a:t>
             </a:r>
-            <a:endParaRPr kumimoji="0" lang="en-US"/>
           </a:p>
         </p:txBody>
       </p:sp>
@@ -3246,44 +3173,41 @@
           <a:bodyPr vert="horz">
             <a:normAutofit/>
           </a:bodyPr>
-          <a:lstStyle>
-            <a:extLst/>
-          </a:lstStyle>
+          <a:lstStyle/>
           <a:p>
             <a:pPr lvl="0" eaLnBrk="1" latinLnBrk="0" hangingPunct="1"/>
             <a:r>
-              <a:rPr kumimoji="0" lang="en-US" smtClean="0"/>
+              <a:rPr kumimoji="0" lang="en-US"/>
               <a:t>Click to edit Master text styles</a:t>
             </a:r>
           </a:p>
           <a:p>
             <a:pPr lvl="1" eaLnBrk="1" latinLnBrk="0" hangingPunct="1"/>
             <a:r>
-              <a:rPr kumimoji="0" lang="en-US" smtClean="0"/>
+              <a:rPr kumimoji="0" lang="en-US"/>
               <a:t>Second level</a:t>
             </a:r>
           </a:p>
           <a:p>
             <a:pPr lvl="2" eaLnBrk="1" latinLnBrk="0" hangingPunct="1"/>
             <a:r>
-              <a:rPr kumimoji="0" lang="en-US" smtClean="0"/>
+              <a:rPr kumimoji="0" lang="en-US"/>
               <a:t>Third level</a:t>
             </a:r>
           </a:p>
           <a:p>
             <a:pPr lvl="3" eaLnBrk="1" latinLnBrk="0" hangingPunct="1"/>
             <a:r>
-              <a:rPr kumimoji="0" lang="en-US" smtClean="0"/>
+              <a:rPr kumimoji="0" lang="en-US"/>
               <a:t>Fourth level</a:t>
             </a:r>
           </a:p>
           <a:p>
             <a:pPr lvl="4" eaLnBrk="1" latinLnBrk="0" hangingPunct="1"/>
             <a:r>
-              <a:rPr kumimoji="0" lang="en-US" smtClean="0"/>
+              <a:rPr kumimoji="0" lang="en-US"/>
               <a:t>Fifth level</a:t>
             </a:r>
-            <a:endParaRPr kumimoji="0" lang="en-US"/>
           </a:p>
         </p:txBody>
       </p:sp>
@@ -3322,7 +3246,7 @@
             <a:fld id="{0A011EC2-5200-43A4-85B7-D262D099268A}" type="datetimeFigureOut">
               <a:rPr lang="en-US" smtClean="0"/>
               <a:pPr/>
-              <a:t>11/26/2013</a:t>
+              <a:t>11/6/2019</a:t>
             </a:fld>
             <a:endParaRPr lang="en-US"/>
           </a:p>
@@ -3786,10 +3710,9 @@
           <a:lstStyle/>
           <a:p>
             <a:r>
-              <a:rPr lang="en-US" dirty="0" smtClean="0"/>
+              <a:rPr lang="en-US" dirty="0"/>
               <a:t>The concept of State</a:t>
             </a:r>
-            <a:endParaRPr lang="en-US" dirty="0"/>
           </a:p>
         </p:txBody>
       </p:sp>
@@ -3809,10 +3732,9 @@
           <a:lstStyle/>
           <a:p>
             <a:r>
-              <a:rPr lang="en-US" dirty="0" smtClean="0"/>
+              <a:rPr lang="en-US" dirty="0"/>
               <a:t>Dr. Bernard D’ Sami</a:t>
             </a:r>
-            <a:endParaRPr lang="en-US" dirty="0"/>
           </a:p>
         </p:txBody>
       </p:sp>
@@ -3873,37 +3795,13 @@
         <p:spPr/>
         <p:txBody>
           <a:bodyPr>
-            <a:normAutofit fontScale="77500" lnSpcReduction="20000"/>
+            <a:normAutofit fontScale="85000" lnSpcReduction="10000"/>
           </a:bodyPr>
           <a:lstStyle/>
           <a:p>
             <a:r>
               <a:rPr lang="en-US" dirty="0"/>
-              <a:t>Locke, however, has an entirely different notion</a:t>
-            </a:r>
-            <a:r>
-              <a:rPr lang="en-US" dirty="0" smtClean="0"/>
-              <a:t>.</a:t>
-            </a:r>
-            <a:r>
-              <a:rPr lang="en-US" dirty="0"/>
-              <a:t> Basically people will respect each other and not infringe on another's person or property. If someone does, then the </a:t>
-            </a:r>
-            <a:r>
-              <a:rPr lang="en-US" dirty="0" err="1"/>
-              <a:t>agressee</a:t>
-            </a:r>
-            <a:r>
-              <a:rPr lang="en-US" dirty="0"/>
-              <a:t> has the natural right to rectify the situation, and anyone else who witnesses an aggressor has the duty to help the </a:t>
-            </a:r>
-            <a:r>
-              <a:rPr lang="en-US" dirty="0" err="1"/>
-              <a:t>agressee</a:t>
-            </a:r>
-            <a:r>
-              <a:rPr lang="en-US" dirty="0"/>
-              <a:t>. Locke concedes that property disputes will eventually be numerous enough that this would be time consuming, and in the general interest, people will form a state in order to have someone else protect their property and persons--basically to settle disputes--out of convenience. Much of this is laid out in The Second Treatise on Government. It's important to note that much of the U.S. constitution is based on Locke's political philosophy.</a:t>
+              <a:t>Locke, however, has an entirely different notion. Basically people will respect each other and not infringe on another's person or property. If someone does, then the aggresse has the natural right to rectify the situation, and anyone else who witnesses an aggressor has the duty to help the aggresse. Locke concedes that property disputes will eventually be numerous enough that this would be time consuming, and in the general interest, people will form a state in order to have someone else protect their property and persons--basically to settle disputes--out of convenience. Much of this is laid out in The Second Treatise on Government. It's important to note that much of the U.S. constitution is based on Locke's political philosophy.</a:t>
             </a:r>
           </a:p>
         </p:txBody>
@@ -4491,23 +4389,15 @@
           <a:p>
             <a:r>
               <a:rPr lang="en-US" dirty="0"/>
-              <a:t>In different times, the meaning and title of the word, 'state', have changed. In ancient times, Greeks used the word, 'state' in the sense of polis or city-state. Ancient Romans used the </a:t>
-            </a:r>
-            <a:r>
-              <a:rPr lang="en-US" dirty="0" smtClean="0"/>
-              <a:t>word </a:t>
-            </a:r>
-            <a:r>
-              <a:rPr lang="en-US" i="1" dirty="0" err="1" smtClean="0"/>
+              <a:t>In different times, the meaning and title of the word, 'state', have changed. In ancient times, Greeks used the word, 'state' in the sense of polis or city-state. Ancient Romans used the word </a:t>
+            </a:r>
+            <a:r>
+              <a:rPr lang="en-US" i="1" dirty="0" err="1"/>
               <a:t>civitas</a:t>
             </a:r>
             <a:r>
-              <a:rPr lang="en-US" dirty="0" smtClean="0"/>
-              <a:t> </a:t>
-            </a:r>
-            <a:r>
               <a:rPr lang="en-US" dirty="0"/>
-              <a:t>for 'state'.</a:t>
+              <a:t> for 'state'.</a:t>
             </a:r>
           </a:p>
           <a:p>
@@ -4519,15 +4409,7 @@
           <a:p>
             <a:r>
               <a:rPr lang="en-US" dirty="0"/>
-              <a:t>The city-states in ancient Greece and Rome were small, simple, and limited. In the first part of the sixteenth century, </a:t>
-            </a:r>
-            <a:r>
-              <a:rPr lang="en-US" dirty="0" smtClean="0"/>
-              <a:t>Machiavelli, </a:t>
-            </a:r>
-            <a:r>
-              <a:rPr lang="en-US" dirty="0"/>
-              <a:t>an eminent statesman of Italy, was the first to use the word </a:t>
+              <a:t>The city-states in ancient Greece and Rome were small, simple, and limited. In the first part of the sixteenth century, Machiavelli, an eminent statesman of Italy, was the first to use the word </a:t>
             </a:r>
             <a:r>
               <a:rPr lang="en-US" i="1" dirty="0"/>
@@ -4611,25 +4493,12 @@
             </a:r>
             <a:r>
               <a:rPr lang="en-US" dirty="0" err="1"/>
-              <a:t>B</a:t>
-            </a:r>
-            <a:r>
-              <a:rPr lang="en-US" dirty="0" err="1" smtClean="0"/>
-              <a:t>odin</a:t>
-            </a:r>
-            <a:r>
-              <a:rPr lang="en-US" dirty="0" smtClean="0"/>
-              <a:t> </a:t>
+              <a:t>Bodin</a:t>
             </a:r>
             <a:r>
               <a:rPr lang="en-US" dirty="0"/>
-              <a:t>called state a 'republic'. He said that the state possessed sovereign power. In the seventeenth century, the British philosopher Hobbes argued that the state had unlimited power</a:t>
-            </a:r>
-            <a:r>
-              <a:rPr lang="en-US" dirty="0" smtClean="0"/>
-              <a:t>.</a:t>
-            </a:r>
-            <a:endParaRPr lang="en-US" dirty="0"/>
+              <a:t> called state a 'republic'. He said that the state possessed sovereign power. In the seventeenth century, the British philosopher Hobbes argued that the state had unlimited power.</a:t>
+            </a:r>
           </a:p>
           <a:p>
             <a:r>
